--- a/Documents/GEIFLOWPPT.pptx
+++ b/Documents/GEIFLOWPPT.pptx
@@ -106,6 +106,11 @@
       </a:defRPr>
     </a:lvl9pPr>
   </p:defaultTextStyle>
+  <p:extLst>
+    <p:ext uri="{EFAFB233-063F-42B5-8137-9DF3F51BA10A}">
+      <p15:sldGuideLst xmlns:p15="http://schemas.microsoft.com/office/powerpoint/2012/main"/>
+    </p:ext>
+  </p:extLst>
 </p:presentation>
 </file>
 
@@ -256,7 +261,7 @@
           <a:p>
             <a:fld id="{BED99587-B5E4-4F4F-AA1D-1E7946A94ADB}" type="datetimeFigureOut">
               <a:rPr lang="pt-BR" smtClean="0"/>
-              <a:t>26/09/2024</a:t>
+              <a:t>27/09/2024</a:t>
             </a:fld>
             <a:endParaRPr lang="pt-BR"/>
           </a:p>
@@ -454,7 +459,7 @@
           <a:p>
             <a:fld id="{BED99587-B5E4-4F4F-AA1D-1E7946A94ADB}" type="datetimeFigureOut">
               <a:rPr lang="pt-BR" smtClean="0"/>
-              <a:t>26/09/2024</a:t>
+              <a:t>27/09/2024</a:t>
             </a:fld>
             <a:endParaRPr lang="pt-BR"/>
           </a:p>
@@ -662,7 +667,7 @@
           <a:p>
             <a:fld id="{BED99587-B5E4-4F4F-AA1D-1E7946A94ADB}" type="datetimeFigureOut">
               <a:rPr lang="pt-BR" smtClean="0"/>
-              <a:t>26/09/2024</a:t>
+              <a:t>27/09/2024</a:t>
             </a:fld>
             <a:endParaRPr lang="pt-BR"/>
           </a:p>
@@ -860,7 +865,7 @@
           <a:p>
             <a:fld id="{BED99587-B5E4-4F4F-AA1D-1E7946A94ADB}" type="datetimeFigureOut">
               <a:rPr lang="pt-BR" smtClean="0"/>
-              <a:t>26/09/2024</a:t>
+              <a:t>27/09/2024</a:t>
             </a:fld>
             <a:endParaRPr lang="pt-BR"/>
           </a:p>
@@ -1135,7 +1140,7 @@
           <a:p>
             <a:fld id="{BED99587-B5E4-4F4F-AA1D-1E7946A94ADB}" type="datetimeFigureOut">
               <a:rPr lang="pt-BR" smtClean="0"/>
-              <a:t>26/09/2024</a:t>
+              <a:t>27/09/2024</a:t>
             </a:fld>
             <a:endParaRPr lang="pt-BR"/>
           </a:p>
@@ -1400,7 +1405,7 @@
           <a:p>
             <a:fld id="{BED99587-B5E4-4F4F-AA1D-1E7946A94ADB}" type="datetimeFigureOut">
               <a:rPr lang="pt-BR" smtClean="0"/>
-              <a:t>26/09/2024</a:t>
+              <a:t>27/09/2024</a:t>
             </a:fld>
             <a:endParaRPr lang="pt-BR"/>
           </a:p>
@@ -1812,7 +1817,7 @@
           <a:p>
             <a:fld id="{BED99587-B5E4-4F4F-AA1D-1E7946A94ADB}" type="datetimeFigureOut">
               <a:rPr lang="pt-BR" smtClean="0"/>
-              <a:t>26/09/2024</a:t>
+              <a:t>27/09/2024</a:t>
             </a:fld>
             <a:endParaRPr lang="pt-BR"/>
           </a:p>
@@ -1953,7 +1958,7 @@
           <a:p>
             <a:fld id="{BED99587-B5E4-4F4F-AA1D-1E7946A94ADB}" type="datetimeFigureOut">
               <a:rPr lang="pt-BR" smtClean="0"/>
-              <a:t>26/09/2024</a:t>
+              <a:t>27/09/2024</a:t>
             </a:fld>
             <a:endParaRPr lang="pt-BR"/>
           </a:p>
@@ -2066,7 +2071,7 @@
           <a:p>
             <a:fld id="{BED99587-B5E4-4F4F-AA1D-1E7946A94ADB}" type="datetimeFigureOut">
               <a:rPr lang="pt-BR" smtClean="0"/>
-              <a:t>26/09/2024</a:t>
+              <a:t>27/09/2024</a:t>
             </a:fld>
             <a:endParaRPr lang="pt-BR"/>
           </a:p>
@@ -2377,7 +2382,7 @@
           <a:p>
             <a:fld id="{BED99587-B5E4-4F4F-AA1D-1E7946A94ADB}" type="datetimeFigureOut">
               <a:rPr lang="pt-BR" smtClean="0"/>
-              <a:t>26/09/2024</a:t>
+              <a:t>27/09/2024</a:t>
             </a:fld>
             <a:endParaRPr lang="pt-BR"/>
           </a:p>
@@ -2665,7 +2670,7 @@
           <a:p>
             <a:fld id="{BED99587-B5E4-4F4F-AA1D-1E7946A94ADB}" type="datetimeFigureOut">
               <a:rPr lang="pt-BR" smtClean="0"/>
-              <a:t>26/09/2024</a:t>
+              <a:t>27/09/2024</a:t>
             </a:fld>
             <a:endParaRPr lang="pt-BR"/>
           </a:p>
@@ -2906,7 +2911,7 @@
           <a:p>
             <a:fld id="{BED99587-B5E4-4F4F-AA1D-1E7946A94ADB}" type="datetimeFigureOut">
               <a:rPr lang="pt-BR" smtClean="0"/>
-              <a:t>26/09/2024</a:t>
+              <a:t>27/09/2024</a:t>
             </a:fld>
             <a:endParaRPr lang="pt-BR"/>
           </a:p>
@@ -3339,7 +3344,7 @@
                 <a16:creationId xmlns:a16="http://schemas.microsoft.com/office/drawing/2014/main" id="{AB8C311F-7253-4AED-9701-7FC0708C41C7}"/>
               </a:ext>
               <a:ext uri="{C183D7F6-B498-43B3-948B-1728B52AA6E4}">
-                <adec:decorative xmlns:adec="http://schemas.microsoft.com/office/drawing/2017/decorative" val="1"/>
+                <adec:decorative xmlns:adec="http://schemas.microsoft.com/office/drawing/2017/decorative" xmlns="" val="1"/>
               </a:ext>
             </a:extLst>
           </p:cNvPr>
@@ -3415,7 +3420,7 @@
                 <a16:creationId xmlns:a16="http://schemas.microsoft.com/office/drawing/2014/main" id="{E2384209-CB15-4CDF-9D31-C44FD9A3F20D}"/>
               </a:ext>
               <a:ext uri="{C183D7F6-B498-43B3-948B-1728B52AA6E4}">
-                <adec:decorative xmlns:adec="http://schemas.microsoft.com/office/drawing/2017/decorative" val="1"/>
+                <adec:decorative xmlns:adec="http://schemas.microsoft.com/office/drawing/2017/decorative" xmlns="" val="1"/>
               </a:ext>
             </a:extLst>
           </p:cNvPr>
@@ -3488,7 +3493,7 @@
                 <a16:creationId xmlns:a16="http://schemas.microsoft.com/office/drawing/2014/main" id="{2633B3B5-CC90-43F0-8714-D31D1F3F0209}"/>
               </a:ext>
               <a:ext uri="{C183D7F6-B498-43B3-948B-1728B52AA6E4}">
-                <adec:decorative xmlns:adec="http://schemas.microsoft.com/office/drawing/2017/decorative" val="1"/>
+                <adec:decorative xmlns:adec="http://schemas.microsoft.com/office/drawing/2017/decorative" xmlns="" val="1"/>
               </a:ext>
             </a:extLst>
           </p:cNvPr>
@@ -3561,7 +3566,7 @@
                 <a16:creationId xmlns:a16="http://schemas.microsoft.com/office/drawing/2014/main" id="{A8D57A06-A426-446D-B02C-A2DC6B62E45E}"/>
               </a:ext>
               <a:ext uri="{C183D7F6-B498-43B3-948B-1728B52AA6E4}">
-                <adec:decorative xmlns:adec="http://schemas.microsoft.com/office/drawing/2017/decorative" val="1"/>
+                <adec:decorative xmlns:adec="http://schemas.microsoft.com/office/drawing/2017/decorative" xmlns="" val="1"/>
               </a:ext>
             </a:extLst>
           </p:cNvPr>
@@ -4956,13 +4961,13 @@
           <p:nvPr/>
         </p:nvPicPr>
         <p:blipFill>
-          <a:blip r:embed="rId3">
+          <a:blip r:embed="rId3" cstate="hqprint">
             <a:extLst>
               <a:ext uri="{28A0092B-C50C-407E-A947-70E740481C1C}">
                 <a14:useLocalDpi xmlns:a14="http://schemas.microsoft.com/office/drawing/2010/main" val="0"/>
               </a:ext>
               <a:ext uri="{96DAC541-7B7A-43D3-8B79-37D633B846F1}">
-                <asvg:svgBlip xmlns:asvg="http://schemas.microsoft.com/office/drawing/2016/SVG/main" r:embed="rId4"/>
+                <asvg:svgBlip xmlns:asvg="http://schemas.microsoft.com/office/drawing/2016/SVG/main" xmlns="" r:embed="rId4"/>
               </a:ext>
             </a:extLst>
           </a:blip>
@@ -5002,13 +5007,13 @@
           <p:nvPr/>
         </p:nvPicPr>
         <p:blipFill>
-          <a:blip r:embed="rId5">
+          <a:blip r:embed="rId5" cstate="hqprint">
             <a:extLst>
               <a:ext uri="{28A0092B-C50C-407E-A947-70E740481C1C}">
                 <a14:useLocalDpi xmlns:a14="http://schemas.microsoft.com/office/drawing/2010/main" val="0"/>
               </a:ext>
               <a:ext uri="{96DAC541-7B7A-43D3-8B79-37D633B846F1}">
-                <asvg:svgBlip xmlns:asvg="http://schemas.microsoft.com/office/drawing/2016/SVG/main" r:embed="rId6"/>
+                <asvg:svgBlip xmlns:asvg="http://schemas.microsoft.com/office/drawing/2016/SVG/main" xmlns="" r:embed="rId6"/>
               </a:ext>
             </a:extLst>
           </a:blip>
@@ -5041,13 +5046,13 @@
           <p:nvPr/>
         </p:nvPicPr>
         <p:blipFill>
-          <a:blip r:embed="rId7">
+          <a:blip r:embed="rId7" cstate="hqprint">
             <a:extLst>
               <a:ext uri="{28A0092B-C50C-407E-A947-70E740481C1C}">
                 <a14:useLocalDpi xmlns:a14="http://schemas.microsoft.com/office/drawing/2010/main" val="0"/>
               </a:ext>
               <a:ext uri="{96DAC541-7B7A-43D3-8B79-37D633B846F1}">
-                <asvg:svgBlip xmlns:asvg="http://schemas.microsoft.com/office/drawing/2016/SVG/main" r:embed="rId8"/>
+                <asvg:svgBlip xmlns:asvg="http://schemas.microsoft.com/office/drawing/2016/SVG/main" xmlns="" r:embed="rId8"/>
               </a:ext>
             </a:extLst>
           </a:blip>
@@ -5087,13 +5092,13 @@
           <p:nvPr/>
         </p:nvPicPr>
         <p:blipFill>
-          <a:blip r:embed="rId9">
+          <a:blip r:embed="rId9" cstate="hqprint">
             <a:extLst>
               <a:ext uri="{28A0092B-C50C-407E-A947-70E740481C1C}">
                 <a14:useLocalDpi xmlns:a14="http://schemas.microsoft.com/office/drawing/2010/main" val="0"/>
               </a:ext>
               <a:ext uri="{96DAC541-7B7A-43D3-8B79-37D633B846F1}">
-                <asvg:svgBlip xmlns:asvg="http://schemas.microsoft.com/office/drawing/2016/SVG/main" r:embed="rId10"/>
+                <asvg:svgBlip xmlns:asvg="http://schemas.microsoft.com/office/drawing/2016/SVG/main" xmlns="" r:embed="rId10"/>
               </a:ext>
             </a:extLst>
           </a:blip>
@@ -5133,13 +5138,13 @@
           <p:nvPr/>
         </p:nvPicPr>
         <p:blipFill>
-          <a:blip r:embed="rId11">
+          <a:blip r:embed="rId11" cstate="hqprint">
             <a:extLst>
               <a:ext uri="{28A0092B-C50C-407E-A947-70E740481C1C}">
                 <a14:useLocalDpi xmlns:a14="http://schemas.microsoft.com/office/drawing/2010/main" val="0"/>
               </a:ext>
               <a:ext uri="{96DAC541-7B7A-43D3-8B79-37D633B846F1}">
-                <asvg:svgBlip xmlns:asvg="http://schemas.microsoft.com/office/drawing/2016/SVG/main" r:embed="rId12"/>
+                <asvg:svgBlip xmlns:asvg="http://schemas.microsoft.com/office/drawing/2016/SVG/main" xmlns="" r:embed="rId12"/>
               </a:ext>
             </a:extLst>
           </a:blip>
@@ -6890,6 +6895,13 @@
       </p:transition>
     </mc:Fallback>
   </mc:AlternateContent>
+  <p:timing>
+    <p:tnLst>
+      <p:par>
+        <p:cTn id="1" dur="indefinite" restart="never" nodeType="tmRoot"/>
+      </p:par>
+    </p:tnLst>
+  </p:timing>
 </p:sld>
 </file>
 
@@ -9357,299 +9369,118 @@
           </a:p>
         </p:txBody>
       </p:sp>
-      <p:grpSp>
-        <p:nvGrpSpPr>
-          <p:cNvPr id="162" name="Agrupar 161">
-            <a:extLst>
-              <a:ext uri="{FF2B5EF4-FFF2-40B4-BE49-F238E27FC236}">
-                <a16:creationId xmlns:a16="http://schemas.microsoft.com/office/drawing/2014/main" id="{5B33028E-B829-3A9D-B8A5-4EF70F06F71B}"/>
-              </a:ext>
-            </a:extLst>
-          </p:cNvPr>
-          <p:cNvGrpSpPr/>
+      <p:sp>
+        <p:nvSpPr>
+          <p:cNvPr id="163" name="CaixaDeTexto 162">
+            <a:extLst>
+              <a:ext uri="{FF2B5EF4-FFF2-40B4-BE49-F238E27FC236}">
+                <a16:creationId xmlns:a16="http://schemas.microsoft.com/office/drawing/2014/main" id="{9C60B2E4-5777-F338-F33E-DAB2D2C31FC0}"/>
+              </a:ext>
+            </a:extLst>
+          </p:cNvPr>
+          <p:cNvSpPr txBox="1"/>
           <p:nvPr/>
-        </p:nvGrpSpPr>
-        <p:grpSpPr>
+        </p:nvSpPr>
+        <p:spPr>
           <a:xfrm>
-            <a:off x="1360174" y="2867121"/>
-            <a:ext cx="1627397" cy="1323439"/>
-            <a:chOff x="9812722" y="579871"/>
-            <a:chExt cx="1627397" cy="1323439"/>
+            <a:off x="1246633" y="3243417"/>
+            <a:ext cx="1614311" cy="400110"/>
           </a:xfrm>
-        </p:grpSpPr>
-        <p:sp>
-          <p:nvSpPr>
-            <p:cNvPr id="163" name="CaixaDeTexto 162">
-              <a:extLst>
-                <a:ext uri="{FF2B5EF4-FFF2-40B4-BE49-F238E27FC236}">
-                  <a16:creationId xmlns:a16="http://schemas.microsoft.com/office/drawing/2014/main" id="{9C60B2E4-5777-F338-F33E-DAB2D2C31FC0}"/>
-                </a:ext>
-              </a:extLst>
-            </p:cNvPr>
-            <p:cNvSpPr txBox="1"/>
-            <p:nvPr/>
-          </p:nvSpPr>
-          <p:spPr>
-            <a:xfrm>
-              <a:off x="9825808" y="579871"/>
-              <a:ext cx="1614311" cy="369332"/>
-            </a:xfrm>
-            <a:prstGeom prst="rect">
-              <a:avLst/>
-            </a:prstGeom>
-            <a:noFill/>
-          </p:spPr>
-          <p:txBody>
-            <a:bodyPr wrap="square" rtlCol="0">
-              <a:spAutoFit/>
-            </a:bodyPr>
-            <a:lstStyle/>
-            <a:p>
-              <a:pPr marL="0" marR="0" lvl="0" indent="0" algn="ctr" defTabSz="914400" rtl="0" eaLnBrk="1" fontAlgn="auto" latinLnBrk="0" hangingPunct="1">
-                <a:lnSpc>
-                  <a:spcPct val="100000"/>
-                </a:lnSpc>
-                <a:spcBef>
-                  <a:spcPts val="0"/>
-                </a:spcBef>
-                <a:spcAft>
-                  <a:spcPts val="0"/>
-                </a:spcAft>
-                <a:buClrTx/>
-                <a:buSzTx/>
-                <a:buFontTx/>
-                <a:buNone/>
-                <a:tabLst/>
-                <a:defRPr/>
-              </a:pPr>
-              <a:r>
-                <a:rPr kumimoji="0" lang="pt-BR" sz="1800" b="1" i="0" u="none" strike="noStrike" kern="1200" cap="none" spc="0" normalizeH="0" baseline="0" noProof="0" dirty="0">
-                  <a:ln>
-                    <a:noFill/>
-                  </a:ln>
-                  <a:effectLst/>
-                  <a:uLnTx/>
-                  <a:uFillTx/>
-                  <a:latin typeface="Tw Cen MT" panose="020B0602020104020603" pitchFamily="34" charset="0"/>
-                  <a:ea typeface="+mn-ea"/>
-                  <a:cs typeface="+mn-cs"/>
-                </a:rPr>
-                <a:t>Layout</a:t>
-              </a:r>
-            </a:p>
-          </p:txBody>
-        </p:sp>
-        <p:sp>
-          <p:nvSpPr>
-            <p:cNvPr id="164" name="CaixaDeTexto 163">
-              <a:extLst>
-                <a:ext uri="{FF2B5EF4-FFF2-40B4-BE49-F238E27FC236}">
-                  <a16:creationId xmlns:a16="http://schemas.microsoft.com/office/drawing/2014/main" id="{0F679C9B-B410-1CF3-9E1A-C44372450ECD}"/>
-                </a:ext>
-              </a:extLst>
-            </p:cNvPr>
-            <p:cNvSpPr txBox="1"/>
-            <p:nvPr/>
-          </p:nvSpPr>
-          <p:spPr>
-            <a:xfrm>
-              <a:off x="9812722" y="949203"/>
-              <a:ext cx="1614311" cy="954107"/>
-            </a:xfrm>
-            <a:prstGeom prst="rect">
-              <a:avLst/>
-            </a:prstGeom>
-            <a:noFill/>
-          </p:spPr>
-          <p:txBody>
-            <a:bodyPr wrap="square" rtlCol="0">
-              <a:spAutoFit/>
-            </a:bodyPr>
-            <a:lstStyle/>
-            <a:p>
-              <a:pPr marL="0" marR="0" lvl="0" indent="0" algn="ctr" defTabSz="914400" rtl="0" eaLnBrk="1" fontAlgn="auto" latinLnBrk="0" hangingPunct="1">
-                <a:lnSpc>
-                  <a:spcPct val="100000"/>
-                </a:lnSpc>
-                <a:spcBef>
-                  <a:spcPts val="0"/>
-                </a:spcBef>
-                <a:spcAft>
-                  <a:spcPts val="0"/>
-                </a:spcAft>
-                <a:buClrTx/>
-                <a:buSzTx/>
-                <a:buFontTx/>
-                <a:buNone/>
-                <a:tabLst/>
-                <a:defRPr/>
-              </a:pPr>
-              <a:r>
-                <a:rPr lang="pt-BR" sz="1400" dirty="0">
-                  <a:latin typeface="Tw Cen MT" panose="020B0602020104020603" pitchFamily="34" charset="0"/>
-                </a:rPr>
-                <a:t>Simplificação de layout célula de finalização e gravação</a:t>
-              </a:r>
-              <a:endParaRPr kumimoji="0" lang="pt-BR" sz="1400" b="0" i="0" u="none" strike="noStrike" kern="1200" cap="none" spc="0" normalizeH="0" baseline="0" noProof="0" dirty="0">
-                <a:ln>
-                  <a:noFill/>
-                </a:ln>
-                <a:effectLst/>
-                <a:uLnTx/>
-                <a:uFillTx/>
+          <a:prstGeom prst="rect">
+            <a:avLst/>
+          </a:prstGeom>
+          <a:noFill/>
+        </p:spPr>
+        <p:txBody>
+          <a:bodyPr wrap="square" rtlCol="0">
+            <a:spAutoFit/>
+          </a:bodyPr>
+          <a:lstStyle/>
+          <a:p>
+            <a:pPr marR="0" lvl="0" indent="0" algn="ctr" fontAlgn="auto">
+              <a:lnSpc>
+                <a:spcPct val="100000"/>
+              </a:lnSpc>
+              <a:spcBef>
+                <a:spcPts val="0"/>
+              </a:spcBef>
+              <a:spcAft>
+                <a:spcPts val="0"/>
+              </a:spcAft>
+              <a:buClrTx/>
+              <a:buSzTx/>
+              <a:buFontTx/>
+              <a:buNone/>
+              <a:tabLst/>
+              <a:defRPr/>
+            </a:pPr>
+            <a:r>
+              <a:rPr lang="pt-BR" sz="2000" b="1" dirty="0" smtClean="0">
+                <a:solidFill>
+                  <a:srgbClr val="000040"/>
+                </a:solidFill>
                 <a:latin typeface="Tw Cen MT" panose="020B0602020104020603" pitchFamily="34" charset="0"/>
-                <a:ea typeface="+mn-ea"/>
-                <a:cs typeface="+mn-cs"/>
-              </a:endParaRPr>
-            </a:p>
-          </p:txBody>
-        </p:sp>
-      </p:grpSp>
-      <p:grpSp>
-        <p:nvGrpSpPr>
-          <p:cNvPr id="165" name="Agrupar 164">
-            <a:extLst>
-              <a:ext uri="{FF2B5EF4-FFF2-40B4-BE49-F238E27FC236}">
-                <a16:creationId xmlns:a16="http://schemas.microsoft.com/office/drawing/2014/main" id="{A0B3E972-59BA-CF65-5096-E76A0994CB23}"/>
-              </a:ext>
-            </a:extLst>
-          </p:cNvPr>
-          <p:cNvGrpSpPr/>
+              </a:rPr>
+              <a:t>Concorrentes</a:t>
+            </a:r>
+            <a:endParaRPr lang="pt-BR" sz="2000" b="1" dirty="0">
+              <a:solidFill>
+                <a:srgbClr val="000040"/>
+              </a:solidFill>
+              <a:latin typeface="Tw Cen MT" panose="020B0602020104020603" pitchFamily="34" charset="0"/>
+            </a:endParaRPr>
+          </a:p>
+        </p:txBody>
+      </p:sp>
+      <p:sp>
+        <p:nvSpPr>
+          <p:cNvPr id="166" name="CaixaDeTexto 165">
+            <a:extLst>
+              <a:ext uri="{FF2B5EF4-FFF2-40B4-BE49-F238E27FC236}">
+                <a16:creationId xmlns:a16="http://schemas.microsoft.com/office/drawing/2014/main" id="{10694C8C-B5EE-CB9D-521D-3F373F663C3F}"/>
+              </a:ext>
+            </a:extLst>
+          </p:cNvPr>
+          <p:cNvSpPr txBox="1"/>
           <p:nvPr/>
-        </p:nvGrpSpPr>
-        <p:grpSpPr>
+        </p:nvSpPr>
+        <p:spPr>
           <a:xfrm>
-            <a:off x="1680170" y="892894"/>
-            <a:ext cx="1627397" cy="677109"/>
-            <a:chOff x="9812722" y="579871"/>
-            <a:chExt cx="1627397" cy="677109"/>
+            <a:off x="1693256" y="892894"/>
+            <a:ext cx="1614311" cy="400110"/>
           </a:xfrm>
-        </p:grpSpPr>
-        <p:sp>
-          <p:nvSpPr>
-            <p:cNvPr id="166" name="CaixaDeTexto 165">
-              <a:extLst>
-                <a:ext uri="{FF2B5EF4-FFF2-40B4-BE49-F238E27FC236}">
-                  <a16:creationId xmlns:a16="http://schemas.microsoft.com/office/drawing/2014/main" id="{10694C8C-B5EE-CB9D-521D-3F373F663C3F}"/>
-                </a:ext>
-              </a:extLst>
-            </p:cNvPr>
-            <p:cNvSpPr txBox="1"/>
-            <p:nvPr/>
-          </p:nvSpPr>
-          <p:spPr>
-            <a:xfrm>
-              <a:off x="9825808" y="579871"/>
-              <a:ext cx="1614311" cy="369332"/>
-            </a:xfrm>
-            <a:prstGeom prst="rect">
-              <a:avLst/>
-            </a:prstGeom>
-            <a:noFill/>
-          </p:spPr>
-          <p:txBody>
-            <a:bodyPr wrap="square" rtlCol="0">
-              <a:spAutoFit/>
-            </a:bodyPr>
-            <a:lstStyle/>
-            <a:p>
-              <a:pPr marL="0" marR="0" lvl="0" indent="0" algn="ctr" defTabSz="914400" rtl="0" eaLnBrk="1" fontAlgn="auto" latinLnBrk="0" hangingPunct="1">
-                <a:lnSpc>
-                  <a:spcPct val="100000"/>
-                </a:lnSpc>
-                <a:spcBef>
-                  <a:spcPts val="0"/>
-                </a:spcBef>
-                <a:spcAft>
-                  <a:spcPts val="0"/>
-                </a:spcAft>
-                <a:buClrTx/>
-                <a:buSzTx/>
-                <a:buFontTx/>
-                <a:buNone/>
-                <a:tabLst/>
-                <a:defRPr/>
-              </a:pPr>
-              <a:r>
-                <a:rPr kumimoji="0" lang="pt-BR" sz="1800" b="1" i="0" u="none" strike="noStrike" kern="1200" cap="none" spc="0" normalizeH="0" baseline="0" noProof="0" dirty="0">
-                  <a:ln>
-                    <a:noFill/>
-                  </a:ln>
-                  <a:effectLst/>
-                  <a:uLnTx/>
-                  <a:uFillTx/>
-                  <a:latin typeface="Tw Cen MT" panose="020B0602020104020603" pitchFamily="34" charset="0"/>
-                  <a:ea typeface="+mn-ea"/>
-                  <a:cs typeface="+mn-cs"/>
-                </a:rPr>
-                <a:t>Corte e retifica</a:t>
-              </a:r>
-            </a:p>
-          </p:txBody>
-        </p:sp>
-        <p:sp>
-          <p:nvSpPr>
-            <p:cNvPr id="167" name="CaixaDeTexto 166">
-              <a:extLst>
-                <a:ext uri="{FF2B5EF4-FFF2-40B4-BE49-F238E27FC236}">
-                  <a16:creationId xmlns:a16="http://schemas.microsoft.com/office/drawing/2014/main" id="{4C643E7E-32DA-8EEB-A7FB-98D2F6C9B815}"/>
-                </a:ext>
-              </a:extLst>
-            </p:cNvPr>
-            <p:cNvSpPr txBox="1"/>
-            <p:nvPr/>
-          </p:nvSpPr>
-          <p:spPr>
-            <a:xfrm>
-              <a:off x="9812722" y="949203"/>
-              <a:ext cx="1614311" cy="307777"/>
-            </a:xfrm>
-            <a:prstGeom prst="rect">
-              <a:avLst/>
-            </a:prstGeom>
-            <a:noFill/>
-          </p:spPr>
-          <p:txBody>
-            <a:bodyPr wrap="square" rtlCol="0">
-              <a:spAutoFit/>
-            </a:bodyPr>
-            <a:lstStyle/>
-            <a:p>
-              <a:pPr marL="0" marR="0" lvl="0" indent="0" algn="ctr" defTabSz="914400" rtl="0" eaLnBrk="1" fontAlgn="auto" latinLnBrk="0" hangingPunct="1">
-                <a:lnSpc>
-                  <a:spcPct val="100000"/>
-                </a:lnSpc>
-                <a:spcBef>
-                  <a:spcPts val="0"/>
-                </a:spcBef>
-                <a:spcAft>
-                  <a:spcPts val="0"/>
-                </a:spcAft>
-                <a:buClrTx/>
-                <a:buSzTx/>
-                <a:buFontTx/>
-                <a:buNone/>
-                <a:tabLst/>
-                <a:defRPr/>
-              </a:pPr>
-              <a:r>
-                <a:rPr kumimoji="0" lang="pt-BR" sz="1400" b="0" i="0" u="none" strike="noStrike" kern="1200" cap="none" spc="0" normalizeH="0" baseline="0" noProof="0" dirty="0">
-                  <a:ln>
-                    <a:noFill/>
-                  </a:ln>
-                  <a:effectLst/>
-                  <a:uLnTx/>
-                  <a:uFillTx/>
-                  <a:latin typeface="Tw Cen MT" panose="020B0602020104020603" pitchFamily="34" charset="0"/>
-                  <a:ea typeface="+mn-ea"/>
-                  <a:cs typeface="+mn-cs"/>
-                </a:rPr>
-                <a:t>Layout</a:t>
-              </a:r>
-            </a:p>
-          </p:txBody>
-        </p:sp>
-      </p:grpSp>
+          <a:prstGeom prst="rect">
+            <a:avLst/>
+          </a:prstGeom>
+          <a:noFill/>
+        </p:spPr>
+        <p:txBody>
+          <a:bodyPr wrap="square" rtlCol="0">
+            <a:spAutoFit/>
+          </a:bodyPr>
+          <a:lstStyle/>
+          <a:p>
+            <a:pPr algn="ctr">
+              <a:defRPr/>
+            </a:pPr>
+            <a:r>
+              <a:rPr lang="pt-BR" sz="2000" b="1" dirty="0">
+                <a:solidFill>
+                  <a:srgbClr val="000040"/>
+                </a:solidFill>
+                <a:latin typeface="Tw Cen MT" panose="020B0602020104020603" pitchFamily="34" charset="0"/>
+              </a:rPr>
+              <a:t>Serviço</a:t>
+            </a:r>
+            <a:endParaRPr lang="pt-BR" sz="2000" b="1" dirty="0">
+              <a:solidFill>
+                <a:srgbClr val="000040"/>
+              </a:solidFill>
+              <a:latin typeface="Tw Cen MT" panose="020B0602020104020603" pitchFamily="34" charset="0"/>
+            </a:endParaRPr>
+          </a:p>
+        </p:txBody>
+      </p:sp>
       <p:pic>
         <p:nvPicPr>
           <p:cNvPr id="168" name="Gráfico 167" descr="Pesquisa">
@@ -9665,13 +9496,13 @@
           <p:nvPr/>
         </p:nvPicPr>
         <p:blipFill>
-          <a:blip r:embed="rId3">
+          <a:blip r:embed="rId3" cstate="hqprint">
             <a:extLst>
               <a:ext uri="{28A0092B-C50C-407E-A947-70E740481C1C}">
                 <a14:useLocalDpi xmlns:a14="http://schemas.microsoft.com/office/drawing/2010/main" val="0"/>
               </a:ext>
               <a:ext uri="{96DAC541-7B7A-43D3-8B79-37D633B846F1}">
-                <asvg:svgBlip xmlns:asvg="http://schemas.microsoft.com/office/drawing/2016/SVG/main" r:embed="rId4"/>
+                <asvg:svgBlip xmlns:asvg="http://schemas.microsoft.com/office/drawing/2016/SVG/main" xmlns="" r:embed="rId4"/>
               </a:ext>
             </a:extLst>
           </a:blip>
@@ -9711,13 +9542,13 @@
           <p:nvPr/>
         </p:nvPicPr>
         <p:blipFill>
-          <a:blip r:embed="rId5">
+          <a:blip r:embed="rId5" cstate="hqprint">
             <a:extLst>
               <a:ext uri="{28A0092B-C50C-407E-A947-70E740481C1C}">
                 <a14:useLocalDpi xmlns:a14="http://schemas.microsoft.com/office/drawing/2010/main" val="0"/>
               </a:ext>
               <a:ext uri="{96DAC541-7B7A-43D3-8B79-37D633B846F1}">
-                <asvg:svgBlip xmlns:asvg="http://schemas.microsoft.com/office/drawing/2016/SVG/main" r:embed="rId6"/>
+                <asvg:svgBlip xmlns:asvg="http://schemas.microsoft.com/office/drawing/2016/SVG/main" xmlns="" r:embed="rId6"/>
               </a:ext>
             </a:extLst>
           </a:blip>
@@ -9757,13 +9588,13 @@
           <p:nvPr/>
         </p:nvPicPr>
         <p:blipFill>
-          <a:blip r:embed="rId7">
+          <a:blip r:embed="rId7" cstate="hqprint">
             <a:extLst>
               <a:ext uri="{28A0092B-C50C-407E-A947-70E740481C1C}">
                 <a14:useLocalDpi xmlns:a14="http://schemas.microsoft.com/office/drawing/2010/main" val="0"/>
               </a:ext>
               <a:ext uri="{96DAC541-7B7A-43D3-8B79-37D633B846F1}">
-                <asvg:svgBlip xmlns:asvg="http://schemas.microsoft.com/office/drawing/2016/SVG/main" r:embed="rId8"/>
+                <asvg:svgBlip xmlns:asvg="http://schemas.microsoft.com/office/drawing/2016/SVG/main" xmlns="" r:embed="rId8"/>
               </a:ext>
             </a:extLst>
           </a:blip>
@@ -10079,154 +9910,55 @@
           </p:txBody>
         </p:sp>
       </p:grpSp>
-      <p:grpSp>
-        <p:nvGrpSpPr>
-          <p:cNvPr id="179" name="Agrupar 178">
-            <a:extLst>
-              <a:ext uri="{FF2B5EF4-FFF2-40B4-BE49-F238E27FC236}">
-                <a16:creationId xmlns:a16="http://schemas.microsoft.com/office/drawing/2014/main" id="{743D06C6-B532-D691-3996-90B318F0823F}"/>
-              </a:ext>
-            </a:extLst>
-          </p:cNvPr>
-          <p:cNvGrpSpPr/>
+      <p:sp>
+        <p:nvSpPr>
+          <p:cNvPr id="180" name="CaixaDeTexto 179">
+            <a:extLst>
+              <a:ext uri="{FF2B5EF4-FFF2-40B4-BE49-F238E27FC236}">
+                <a16:creationId xmlns:a16="http://schemas.microsoft.com/office/drawing/2014/main" id="{E5AD2BF1-8AF1-69B6-C3EA-F9D856F2CEBE}"/>
+              </a:ext>
+            </a:extLst>
+          </p:cNvPr>
+          <p:cNvSpPr txBox="1"/>
           <p:nvPr/>
-        </p:nvGrpSpPr>
-        <p:grpSpPr>
+        </p:nvSpPr>
+        <p:spPr>
           <a:xfrm>
-            <a:off x="2072849" y="4712360"/>
-            <a:ext cx="1627397" cy="892552"/>
-            <a:chOff x="9812722" y="579871"/>
-            <a:chExt cx="1627397" cy="892552"/>
+            <a:off x="2085935" y="4712360"/>
+            <a:ext cx="1614311" cy="400110"/>
           </a:xfrm>
-        </p:grpSpPr>
-        <p:sp>
-          <p:nvSpPr>
-            <p:cNvPr id="180" name="CaixaDeTexto 179">
-              <a:extLst>
-                <a:ext uri="{FF2B5EF4-FFF2-40B4-BE49-F238E27FC236}">
-                  <a16:creationId xmlns:a16="http://schemas.microsoft.com/office/drawing/2014/main" id="{E5AD2BF1-8AF1-69B6-C3EA-F9D856F2CEBE}"/>
-                </a:ext>
-              </a:extLst>
-            </p:cNvPr>
-            <p:cNvSpPr txBox="1"/>
-            <p:nvPr/>
-          </p:nvSpPr>
-          <p:spPr>
-            <a:xfrm>
-              <a:off x="9825808" y="579871"/>
-              <a:ext cx="1614311" cy="369332"/>
-            </a:xfrm>
-            <a:prstGeom prst="rect">
-              <a:avLst/>
-            </a:prstGeom>
-            <a:noFill/>
-          </p:spPr>
-          <p:txBody>
-            <a:bodyPr wrap="square" rtlCol="0">
-              <a:spAutoFit/>
-            </a:bodyPr>
-            <a:lstStyle/>
-            <a:p>
-              <a:pPr marL="0" marR="0" lvl="0" indent="0" algn="ctr" defTabSz="914400" rtl="0" eaLnBrk="1" fontAlgn="auto" latinLnBrk="0" hangingPunct="1">
-                <a:lnSpc>
-                  <a:spcPct val="100000"/>
-                </a:lnSpc>
-                <a:spcBef>
-                  <a:spcPts val="0"/>
-                </a:spcBef>
-                <a:spcAft>
-                  <a:spcPts val="0"/>
-                </a:spcAft>
-                <a:buClrTx/>
-                <a:buSzTx/>
-                <a:buFontTx/>
-                <a:buNone/>
-                <a:tabLst/>
-                <a:defRPr/>
-              </a:pPr>
-              <a:r>
-                <a:rPr lang="pt-BR" b="1" dirty="0">
-                  <a:latin typeface="Tw Cen MT" panose="020B0602020104020603" pitchFamily="34" charset="0"/>
-                </a:rPr>
-                <a:t>Kaizen</a:t>
-              </a:r>
-              <a:endParaRPr kumimoji="0" lang="pt-BR" sz="1800" b="1" i="0" u="none" strike="noStrike" kern="1200" cap="none" spc="0" normalizeH="0" baseline="0" noProof="0" dirty="0">
-                <a:ln>
-                  <a:noFill/>
-                </a:ln>
-                <a:effectLst/>
-                <a:uLnTx/>
-                <a:uFillTx/>
+          <a:prstGeom prst="rect">
+            <a:avLst/>
+          </a:prstGeom>
+          <a:noFill/>
+        </p:spPr>
+        <p:txBody>
+          <a:bodyPr wrap="square" rtlCol="0">
+            <a:spAutoFit/>
+          </a:bodyPr>
+          <a:lstStyle/>
+          <a:p>
+            <a:pPr algn="ctr">
+              <a:defRPr/>
+            </a:pPr>
+            <a:r>
+              <a:rPr lang="pt-BR" sz="2000" b="1" dirty="0">
+                <a:solidFill>
+                  <a:srgbClr val="000040"/>
+                </a:solidFill>
                 <a:latin typeface="Tw Cen MT" panose="020B0602020104020603" pitchFamily="34" charset="0"/>
-                <a:ea typeface="+mn-ea"/>
-                <a:cs typeface="+mn-cs"/>
-              </a:endParaRPr>
-            </a:p>
-          </p:txBody>
-        </p:sp>
-        <p:sp>
-          <p:nvSpPr>
-            <p:cNvPr id="181" name="CaixaDeTexto 180">
-              <a:extLst>
-                <a:ext uri="{FF2B5EF4-FFF2-40B4-BE49-F238E27FC236}">
-                  <a16:creationId xmlns:a16="http://schemas.microsoft.com/office/drawing/2014/main" id="{BCED8255-23B2-0EC5-5B66-4805D9162D45}"/>
-                </a:ext>
-              </a:extLst>
-            </p:cNvPr>
-            <p:cNvSpPr txBox="1"/>
-            <p:nvPr/>
-          </p:nvSpPr>
-          <p:spPr>
-            <a:xfrm>
-              <a:off x="9812722" y="949203"/>
-              <a:ext cx="1614311" cy="523220"/>
-            </a:xfrm>
-            <a:prstGeom prst="rect">
-              <a:avLst/>
-            </a:prstGeom>
-            <a:noFill/>
-          </p:spPr>
-          <p:txBody>
-            <a:bodyPr wrap="square" rtlCol="0">
-              <a:spAutoFit/>
-            </a:bodyPr>
-            <a:lstStyle/>
-            <a:p>
-              <a:pPr marL="0" marR="0" lvl="0" indent="0" algn="ctr" defTabSz="914400" rtl="0" eaLnBrk="1" fontAlgn="auto" latinLnBrk="0" hangingPunct="1">
-                <a:lnSpc>
-                  <a:spcPct val="100000"/>
-                </a:lnSpc>
-                <a:spcBef>
-                  <a:spcPts val="0"/>
-                </a:spcBef>
-                <a:spcAft>
-                  <a:spcPts val="0"/>
-                </a:spcAft>
-                <a:buClrTx/>
-                <a:buSzTx/>
-                <a:buFontTx/>
-                <a:buNone/>
-                <a:tabLst/>
-                <a:defRPr/>
-              </a:pPr>
-              <a:r>
-                <a:rPr kumimoji="0" lang="pt-BR" sz="1400" b="0" i="0" u="none" strike="noStrike" kern="1200" cap="none" spc="0" normalizeH="0" baseline="0" noProof="0" dirty="0">
-                  <a:ln>
-                    <a:noFill/>
-                  </a:ln>
-                  <a:effectLst/>
-                  <a:uLnTx/>
-                  <a:uFillTx/>
-                  <a:latin typeface="Tw Cen MT" panose="020B0602020104020603" pitchFamily="34" charset="0"/>
-                  <a:ea typeface="+mn-ea"/>
-                  <a:cs typeface="+mn-cs"/>
-                </a:rPr>
-                <a:t>Melhoria de informação</a:t>
-              </a:r>
-            </a:p>
-          </p:txBody>
-        </p:sp>
-      </p:grpSp>
+              </a:rPr>
+              <a:t>Cliente</a:t>
+            </a:r>
+            <a:endParaRPr lang="pt-BR" sz="2000" b="1" dirty="0">
+              <a:solidFill>
+                <a:srgbClr val="000040"/>
+              </a:solidFill>
+              <a:latin typeface="Tw Cen MT" panose="020B0602020104020603" pitchFamily="34" charset="0"/>
+            </a:endParaRPr>
+          </a:p>
+        </p:txBody>
+      </p:sp>
       <p:pic>
         <p:nvPicPr>
           <p:cNvPr id="6" name="Picture 2" descr="Missão, Visão e Valores – Real Mecânica">
@@ -10343,6 +10075,13 @@
       </p:transition>
     </mc:Fallback>
   </mc:AlternateContent>
+  <p:timing>
+    <p:tnLst>
+      <p:par>
+        <p:cTn id="1" dur="indefinite" restart="never" nodeType="tmRoot"/>
+      </p:par>
+    </p:tnLst>
+  </p:timing>
 </p:sld>
 </file>
 

--- a/Documents/GEIFLOWPPT.pptx
+++ b/Documents/GEIFLOWPPT.pptx
@@ -8,6 +8,9 @@
     <p:sldId id="257" r:id="rId2"/>
     <p:sldId id="262" r:id="rId3"/>
     <p:sldId id="263" r:id="rId4"/>
+    <p:sldId id="264" r:id="rId5"/>
+    <p:sldId id="265" r:id="rId6"/>
+    <p:sldId id="266" r:id="rId7"/>
   </p:sldIdLst>
   <p:sldSz cx="12192000" cy="6858000"/>
   <p:notesSz cx="6858000" cy="9144000"/>
@@ -261,7 +264,7 @@
           <a:p>
             <a:fld id="{BED99587-B5E4-4F4F-AA1D-1E7946A94ADB}" type="datetimeFigureOut">
               <a:rPr lang="pt-BR" smtClean="0"/>
-              <a:t>27/09/2024</a:t>
+              <a:t>30/09/2024</a:t>
             </a:fld>
             <a:endParaRPr lang="pt-BR"/>
           </a:p>
@@ -459,7 +462,7 @@
           <a:p>
             <a:fld id="{BED99587-B5E4-4F4F-AA1D-1E7946A94ADB}" type="datetimeFigureOut">
               <a:rPr lang="pt-BR" smtClean="0"/>
-              <a:t>27/09/2024</a:t>
+              <a:t>30/09/2024</a:t>
             </a:fld>
             <a:endParaRPr lang="pt-BR"/>
           </a:p>
@@ -667,7 +670,7 @@
           <a:p>
             <a:fld id="{BED99587-B5E4-4F4F-AA1D-1E7946A94ADB}" type="datetimeFigureOut">
               <a:rPr lang="pt-BR" smtClean="0"/>
-              <a:t>27/09/2024</a:t>
+              <a:t>30/09/2024</a:t>
             </a:fld>
             <a:endParaRPr lang="pt-BR"/>
           </a:p>
@@ -865,7 +868,7 @@
           <a:p>
             <a:fld id="{BED99587-B5E4-4F4F-AA1D-1E7946A94ADB}" type="datetimeFigureOut">
               <a:rPr lang="pt-BR" smtClean="0"/>
-              <a:t>27/09/2024</a:t>
+              <a:t>30/09/2024</a:t>
             </a:fld>
             <a:endParaRPr lang="pt-BR"/>
           </a:p>
@@ -1140,7 +1143,7 @@
           <a:p>
             <a:fld id="{BED99587-B5E4-4F4F-AA1D-1E7946A94ADB}" type="datetimeFigureOut">
               <a:rPr lang="pt-BR" smtClean="0"/>
-              <a:t>27/09/2024</a:t>
+              <a:t>30/09/2024</a:t>
             </a:fld>
             <a:endParaRPr lang="pt-BR"/>
           </a:p>
@@ -1405,7 +1408,7 @@
           <a:p>
             <a:fld id="{BED99587-B5E4-4F4F-AA1D-1E7946A94ADB}" type="datetimeFigureOut">
               <a:rPr lang="pt-BR" smtClean="0"/>
-              <a:t>27/09/2024</a:t>
+              <a:t>30/09/2024</a:t>
             </a:fld>
             <a:endParaRPr lang="pt-BR"/>
           </a:p>
@@ -1817,7 +1820,7 @@
           <a:p>
             <a:fld id="{BED99587-B5E4-4F4F-AA1D-1E7946A94ADB}" type="datetimeFigureOut">
               <a:rPr lang="pt-BR" smtClean="0"/>
-              <a:t>27/09/2024</a:t>
+              <a:t>30/09/2024</a:t>
             </a:fld>
             <a:endParaRPr lang="pt-BR"/>
           </a:p>
@@ -1958,7 +1961,7 @@
           <a:p>
             <a:fld id="{BED99587-B5E4-4F4F-AA1D-1E7946A94ADB}" type="datetimeFigureOut">
               <a:rPr lang="pt-BR" smtClean="0"/>
-              <a:t>27/09/2024</a:t>
+              <a:t>30/09/2024</a:t>
             </a:fld>
             <a:endParaRPr lang="pt-BR"/>
           </a:p>
@@ -2071,7 +2074,7 @@
           <a:p>
             <a:fld id="{BED99587-B5E4-4F4F-AA1D-1E7946A94ADB}" type="datetimeFigureOut">
               <a:rPr lang="pt-BR" smtClean="0"/>
-              <a:t>27/09/2024</a:t>
+              <a:t>30/09/2024</a:t>
             </a:fld>
             <a:endParaRPr lang="pt-BR"/>
           </a:p>
@@ -2382,7 +2385,7 @@
           <a:p>
             <a:fld id="{BED99587-B5E4-4F4F-AA1D-1E7946A94ADB}" type="datetimeFigureOut">
               <a:rPr lang="pt-BR" smtClean="0"/>
-              <a:t>27/09/2024</a:t>
+              <a:t>30/09/2024</a:t>
             </a:fld>
             <a:endParaRPr lang="pt-BR"/>
           </a:p>
@@ -2670,7 +2673,7 @@
           <a:p>
             <a:fld id="{BED99587-B5E4-4F4F-AA1D-1E7946A94ADB}" type="datetimeFigureOut">
               <a:rPr lang="pt-BR" smtClean="0"/>
-              <a:t>27/09/2024</a:t>
+              <a:t>30/09/2024</a:t>
             </a:fld>
             <a:endParaRPr lang="pt-BR"/>
           </a:p>
@@ -2911,7 +2914,7 @@
           <a:p>
             <a:fld id="{BED99587-B5E4-4F4F-AA1D-1E7946A94ADB}" type="datetimeFigureOut">
               <a:rPr lang="pt-BR" smtClean="0"/>
-              <a:t>27/09/2024</a:t>
+              <a:t>30/09/2024</a:t>
             </a:fld>
             <a:endParaRPr lang="pt-BR"/>
           </a:p>
@@ -3344,7 +3347,7 @@
                 <a16:creationId xmlns:a16="http://schemas.microsoft.com/office/drawing/2014/main" id="{AB8C311F-7253-4AED-9701-7FC0708C41C7}"/>
               </a:ext>
               <a:ext uri="{C183D7F6-B498-43B3-948B-1728B52AA6E4}">
-                <adec:decorative xmlns:adec="http://schemas.microsoft.com/office/drawing/2017/decorative" xmlns="" val="1"/>
+                <adec:decorative xmlns="" xmlns:adec="http://schemas.microsoft.com/office/drawing/2017/decorative" val="1"/>
               </a:ext>
             </a:extLst>
           </p:cNvPr>
@@ -3420,7 +3423,7 @@
                 <a16:creationId xmlns:a16="http://schemas.microsoft.com/office/drawing/2014/main" id="{E2384209-CB15-4CDF-9D31-C44FD9A3F20D}"/>
               </a:ext>
               <a:ext uri="{C183D7F6-B498-43B3-948B-1728B52AA6E4}">
-                <adec:decorative xmlns:adec="http://schemas.microsoft.com/office/drawing/2017/decorative" xmlns="" val="1"/>
+                <adec:decorative xmlns="" xmlns:adec="http://schemas.microsoft.com/office/drawing/2017/decorative" val="1"/>
               </a:ext>
             </a:extLst>
           </p:cNvPr>
@@ -3493,7 +3496,7 @@
                 <a16:creationId xmlns:a16="http://schemas.microsoft.com/office/drawing/2014/main" id="{2633B3B5-CC90-43F0-8714-D31D1F3F0209}"/>
               </a:ext>
               <a:ext uri="{C183D7F6-B498-43B3-948B-1728B52AA6E4}">
-                <adec:decorative xmlns:adec="http://schemas.microsoft.com/office/drawing/2017/decorative" xmlns="" val="1"/>
+                <adec:decorative xmlns="" xmlns:adec="http://schemas.microsoft.com/office/drawing/2017/decorative" val="1"/>
               </a:ext>
             </a:extLst>
           </p:cNvPr>
@@ -3566,7 +3569,7 @@
                 <a16:creationId xmlns:a16="http://schemas.microsoft.com/office/drawing/2014/main" id="{A8D57A06-A426-446D-B02C-A2DC6B62E45E}"/>
               </a:ext>
               <a:ext uri="{C183D7F6-B498-43B3-948B-1728B52AA6E4}">
-                <adec:decorative xmlns:adec="http://schemas.microsoft.com/office/drawing/2017/decorative" xmlns="" val="1"/>
+                <adec:decorative xmlns="" xmlns:adec="http://schemas.microsoft.com/office/drawing/2017/decorative" val="1"/>
               </a:ext>
             </a:extLst>
           </p:cNvPr>
@@ -4967,7 +4970,7 @@
                 <a14:useLocalDpi xmlns:a14="http://schemas.microsoft.com/office/drawing/2010/main" val="0"/>
               </a:ext>
               <a:ext uri="{96DAC541-7B7A-43D3-8B79-37D633B846F1}">
-                <asvg:svgBlip xmlns:asvg="http://schemas.microsoft.com/office/drawing/2016/SVG/main" xmlns="" r:embed="rId4"/>
+                <asvg:svgBlip xmlns="" xmlns:asvg="http://schemas.microsoft.com/office/drawing/2016/SVG/main" r:embed="rId4"/>
               </a:ext>
             </a:extLst>
           </a:blip>
@@ -5013,7 +5016,7 @@
                 <a14:useLocalDpi xmlns:a14="http://schemas.microsoft.com/office/drawing/2010/main" val="0"/>
               </a:ext>
               <a:ext uri="{96DAC541-7B7A-43D3-8B79-37D633B846F1}">
-                <asvg:svgBlip xmlns:asvg="http://schemas.microsoft.com/office/drawing/2016/SVG/main" xmlns="" r:embed="rId6"/>
+                <asvg:svgBlip xmlns="" xmlns:asvg="http://schemas.microsoft.com/office/drawing/2016/SVG/main" r:embed="rId6"/>
               </a:ext>
             </a:extLst>
           </a:blip>
@@ -5052,7 +5055,7 @@
                 <a14:useLocalDpi xmlns:a14="http://schemas.microsoft.com/office/drawing/2010/main" val="0"/>
               </a:ext>
               <a:ext uri="{96DAC541-7B7A-43D3-8B79-37D633B846F1}">
-                <asvg:svgBlip xmlns:asvg="http://schemas.microsoft.com/office/drawing/2016/SVG/main" xmlns="" r:embed="rId8"/>
+                <asvg:svgBlip xmlns="" xmlns:asvg="http://schemas.microsoft.com/office/drawing/2016/SVG/main" r:embed="rId8"/>
               </a:ext>
             </a:extLst>
           </a:blip>
@@ -5098,7 +5101,7 @@
                 <a14:useLocalDpi xmlns:a14="http://schemas.microsoft.com/office/drawing/2010/main" val="0"/>
               </a:ext>
               <a:ext uri="{96DAC541-7B7A-43D3-8B79-37D633B846F1}">
-                <asvg:svgBlip xmlns:asvg="http://schemas.microsoft.com/office/drawing/2016/SVG/main" xmlns="" r:embed="rId10"/>
+                <asvg:svgBlip xmlns="" xmlns:asvg="http://schemas.microsoft.com/office/drawing/2016/SVG/main" r:embed="rId10"/>
               </a:ext>
             </a:extLst>
           </a:blip>
@@ -5144,7 +5147,7 @@
                 <a14:useLocalDpi xmlns:a14="http://schemas.microsoft.com/office/drawing/2010/main" val="0"/>
               </a:ext>
               <a:ext uri="{96DAC541-7B7A-43D3-8B79-37D633B846F1}">
-                <asvg:svgBlip xmlns:asvg="http://schemas.microsoft.com/office/drawing/2016/SVG/main" xmlns="" r:embed="rId12"/>
+                <asvg:svgBlip xmlns="" xmlns:asvg="http://schemas.microsoft.com/office/drawing/2016/SVG/main" r:embed="rId12"/>
               </a:ext>
             </a:extLst>
           </a:blip>
@@ -9472,12 +9475,6 @@
               </a:rPr>
               <a:t>Serviço</a:t>
             </a:r>
-            <a:endParaRPr lang="pt-BR" sz="2000" b="1" dirty="0">
-              <a:solidFill>
-                <a:srgbClr val="000040"/>
-              </a:solidFill>
-              <a:latin typeface="Tw Cen MT" panose="020B0602020104020603" pitchFamily="34" charset="0"/>
-            </a:endParaRPr>
           </a:p>
         </p:txBody>
       </p:sp>
@@ -9502,7 +9499,7 @@
                 <a14:useLocalDpi xmlns:a14="http://schemas.microsoft.com/office/drawing/2010/main" val="0"/>
               </a:ext>
               <a:ext uri="{96DAC541-7B7A-43D3-8B79-37D633B846F1}">
-                <asvg:svgBlip xmlns:asvg="http://schemas.microsoft.com/office/drawing/2016/SVG/main" xmlns="" r:embed="rId4"/>
+                <asvg:svgBlip xmlns="" xmlns:asvg="http://schemas.microsoft.com/office/drawing/2016/SVG/main" r:embed="rId4"/>
               </a:ext>
             </a:extLst>
           </a:blip>
@@ -9548,7 +9545,7 @@
                 <a14:useLocalDpi xmlns:a14="http://schemas.microsoft.com/office/drawing/2010/main" val="0"/>
               </a:ext>
               <a:ext uri="{96DAC541-7B7A-43D3-8B79-37D633B846F1}">
-                <asvg:svgBlip xmlns:asvg="http://schemas.microsoft.com/office/drawing/2016/SVG/main" xmlns="" r:embed="rId6"/>
+                <asvg:svgBlip xmlns="" xmlns:asvg="http://schemas.microsoft.com/office/drawing/2016/SVG/main" r:embed="rId6"/>
               </a:ext>
             </a:extLst>
           </a:blip>
@@ -9594,7 +9591,7 @@
                 <a14:useLocalDpi xmlns:a14="http://schemas.microsoft.com/office/drawing/2010/main" val="0"/>
               </a:ext>
               <a:ext uri="{96DAC541-7B7A-43D3-8B79-37D633B846F1}">
-                <asvg:svgBlip xmlns:asvg="http://schemas.microsoft.com/office/drawing/2016/SVG/main" xmlns="" r:embed="rId8"/>
+                <asvg:svgBlip xmlns="" xmlns:asvg="http://schemas.microsoft.com/office/drawing/2016/SVG/main" r:embed="rId8"/>
               </a:ext>
             </a:extLst>
           </a:blip>
@@ -9950,12 +9947,6 @@
               </a:rPr>
               <a:t>Cliente</a:t>
             </a:r>
-            <a:endParaRPr lang="pt-BR" sz="2000" b="1" dirty="0">
-              <a:solidFill>
-                <a:srgbClr val="000040"/>
-              </a:solidFill>
-              <a:latin typeface="Tw Cen MT" panose="020B0602020104020603" pitchFamily="34" charset="0"/>
-            </a:endParaRPr>
           </a:p>
         </p:txBody>
       </p:sp>
@@ -10082,6 +10073,180 @@
       </p:par>
     </p:tnLst>
   </p:timing>
+</p:sld>
+</file>
+
+<file path=ppt/slides/slide4.xml><?xml version="1.0" encoding="utf-8"?>
+<p:sld xmlns:a="http://schemas.openxmlformats.org/drawingml/2006/main" xmlns:r="http://schemas.openxmlformats.org/officeDocument/2006/relationships" xmlns:p="http://schemas.openxmlformats.org/presentationml/2006/main">
+  <p:cSld>
+    <p:spTree>
+      <p:nvGrpSpPr>
+        <p:cNvPr id="1" name=""/>
+        <p:cNvGrpSpPr/>
+        <p:nvPr/>
+      </p:nvGrpSpPr>
+      <p:grpSpPr>
+        <a:xfrm>
+          <a:off x="0" y="0"/>
+          <a:ext cx="0" cy="0"/>
+          <a:chOff x="0" y="0"/>
+          <a:chExt cx="0" cy="0"/>
+        </a:xfrm>
+      </p:grpSpPr>
+      <p:pic>
+        <p:nvPicPr>
+          <p:cNvPr id="2" name="Imagem 1"/>
+          <p:cNvPicPr/>
+          <p:nvPr/>
+        </p:nvPicPr>
+        <p:blipFill>
+          <a:blip r:embed="rId2">
+            <a:extLst>
+              <a:ext uri="{28A0092B-C50C-407E-A947-70E740481C1C}">
+                <a14:useLocalDpi xmlns:a14="http://schemas.microsoft.com/office/drawing/2010/main" val="0"/>
+              </a:ext>
+            </a:extLst>
+          </a:blip>
+          <a:stretch>
+            <a:fillRect/>
+          </a:stretch>
+        </p:blipFill>
+        <p:spPr>
+          <a:xfrm>
+            <a:off x="3035372" y="522918"/>
+            <a:ext cx="5400040" cy="5400040"/>
+          </a:xfrm>
+          <a:prstGeom prst="rect">
+            <a:avLst/>
+          </a:prstGeom>
+        </p:spPr>
+      </p:pic>
+    </p:spTree>
+    <p:extLst>
+      <p:ext uri="{BB962C8B-B14F-4D97-AF65-F5344CB8AC3E}">
+        <p14:creationId xmlns:p14="http://schemas.microsoft.com/office/powerpoint/2010/main" val="2908354962"/>
+      </p:ext>
+    </p:extLst>
+  </p:cSld>
+  <p:clrMapOvr>
+    <a:masterClrMapping/>
+  </p:clrMapOvr>
+</p:sld>
+</file>
+
+<file path=ppt/slides/slide5.xml><?xml version="1.0" encoding="utf-8"?>
+<p:sld xmlns:a="http://schemas.openxmlformats.org/drawingml/2006/main" xmlns:r="http://schemas.openxmlformats.org/officeDocument/2006/relationships" xmlns:p="http://schemas.openxmlformats.org/presentationml/2006/main">
+  <p:cSld>
+    <p:spTree>
+      <p:nvGrpSpPr>
+        <p:cNvPr id="1" name=""/>
+        <p:cNvGrpSpPr/>
+        <p:nvPr/>
+      </p:nvGrpSpPr>
+      <p:grpSpPr>
+        <a:xfrm>
+          <a:off x="0" y="0"/>
+          <a:ext cx="0" cy="0"/>
+          <a:chOff x="0" y="0"/>
+          <a:chExt cx="0" cy="0"/>
+        </a:xfrm>
+      </p:grpSpPr>
+      <p:pic>
+        <p:nvPicPr>
+          <p:cNvPr id="2" name="Imagem 1"/>
+          <p:cNvPicPr/>
+          <p:nvPr/>
+        </p:nvPicPr>
+        <p:blipFill>
+          <a:blip r:embed="rId2">
+            <a:extLst>
+              <a:ext uri="{28A0092B-C50C-407E-A947-70E740481C1C}">
+                <a14:useLocalDpi xmlns:a14="http://schemas.microsoft.com/office/drawing/2010/main" val="0"/>
+              </a:ext>
+            </a:extLst>
+          </a:blip>
+          <a:stretch>
+            <a:fillRect/>
+          </a:stretch>
+        </p:blipFill>
+        <p:spPr>
+          <a:xfrm>
+            <a:off x="3395980" y="728980"/>
+            <a:ext cx="5400040" cy="5400040"/>
+          </a:xfrm>
+          <a:prstGeom prst="rect">
+            <a:avLst/>
+          </a:prstGeom>
+        </p:spPr>
+      </p:pic>
+    </p:spTree>
+    <p:extLst>
+      <p:ext uri="{BB962C8B-B14F-4D97-AF65-F5344CB8AC3E}">
+        <p14:creationId xmlns:p14="http://schemas.microsoft.com/office/powerpoint/2010/main" val="3031971580"/>
+      </p:ext>
+    </p:extLst>
+  </p:cSld>
+  <p:clrMapOvr>
+    <a:masterClrMapping/>
+  </p:clrMapOvr>
+</p:sld>
+</file>
+
+<file path=ppt/slides/slide6.xml><?xml version="1.0" encoding="utf-8"?>
+<p:sld xmlns:a="http://schemas.openxmlformats.org/drawingml/2006/main" xmlns:r="http://schemas.openxmlformats.org/officeDocument/2006/relationships" xmlns:p="http://schemas.openxmlformats.org/presentationml/2006/main">
+  <p:cSld>
+    <p:spTree>
+      <p:nvGrpSpPr>
+        <p:cNvPr id="1" name=""/>
+        <p:cNvGrpSpPr/>
+        <p:nvPr/>
+      </p:nvGrpSpPr>
+      <p:grpSpPr>
+        <a:xfrm>
+          <a:off x="0" y="0"/>
+          <a:ext cx="0" cy="0"/>
+          <a:chOff x="0" y="0"/>
+          <a:chExt cx="0" cy="0"/>
+        </a:xfrm>
+      </p:grpSpPr>
+      <p:pic>
+        <p:nvPicPr>
+          <p:cNvPr id="2" name="Imagem 1"/>
+          <p:cNvPicPr/>
+          <p:nvPr/>
+        </p:nvPicPr>
+        <p:blipFill>
+          <a:blip r:embed="rId2">
+            <a:extLst>
+              <a:ext uri="{28A0092B-C50C-407E-A947-70E740481C1C}">
+                <a14:useLocalDpi xmlns:a14="http://schemas.microsoft.com/office/drawing/2010/main" val="0"/>
+              </a:ext>
+            </a:extLst>
+          </a:blip>
+          <a:stretch>
+            <a:fillRect/>
+          </a:stretch>
+        </p:blipFill>
+        <p:spPr>
+          <a:xfrm>
+            <a:off x="3395980" y="728980"/>
+            <a:ext cx="5400040" cy="5400040"/>
+          </a:xfrm>
+          <a:prstGeom prst="rect">
+            <a:avLst/>
+          </a:prstGeom>
+        </p:spPr>
+      </p:pic>
+    </p:spTree>
+    <p:extLst>
+      <p:ext uri="{BB962C8B-B14F-4D97-AF65-F5344CB8AC3E}">
+        <p14:creationId xmlns:p14="http://schemas.microsoft.com/office/powerpoint/2010/main" val="1737068045"/>
+      </p:ext>
+    </p:extLst>
+  </p:cSld>
+  <p:clrMapOvr>
+    <a:masterClrMapping/>
+  </p:clrMapOvr>
 </p:sld>
 </file>
 
